--- a/Poster.pptx
+++ b/Poster.pptx
@@ -12305,11 +12305,7 @@
           <a:p>
             <a:r>
               <a:rPr lang="en-US" dirty="0"/>
-              <a:t>	The purpose of this project is to use neural network programming to develop an artificially intelligent program capable of classifying genre’s of music. The audio file my analysis is performed on is the GTZAN audio file. The k-means, </a:t>
-            </a:r>
-            <a:r>
-              <a:rPr lang="en-US" dirty="0"/>
-              <a:t>fast </a:t>
+              <a:t>	The purpose of this project is to use neural network programming to develop an artificially intelligent program capable of classifying genre’s of music. The audio file my analysis is performed on is the GTZAN audio file. The k-means, fast </a:t>
             </a:r>
             <a:r>
               <a:rPr lang="en-US" dirty="0" err="1"/>
@@ -12317,11 +12313,7 @@
             </a:r>
             <a:r>
               <a:rPr lang="en-US" dirty="0"/>
-              <a:t> transform</a:t>
-            </a:r>
-            <a:r>
-              <a:rPr lang="en-US" dirty="0"/>
-              <a:t> and MFCC algorithms are utilized. Output will be in the form of graphs and precise categories determined.</a:t>
+              <a:t> transform and MFCC algorithms are utilized. Output will be in the form of graphs and precise categories determined.</a:t>
             </a:r>
           </a:p>
         </p:txBody>
@@ -12360,7 +12352,7 @@
         </p:nvSpPr>
         <p:spPr>
           <a:xfrm>
-            <a:off x="942080" y="9365074"/>
+            <a:off x="942080" y="9173990"/>
             <a:ext cx="13592864" cy="2385190"/>
           </a:xfrm>
         </p:spPr>
@@ -12387,7 +12379,7 @@
         </p:nvSpPr>
         <p:spPr>
           <a:xfrm>
-            <a:off x="942080" y="8626439"/>
+            <a:off x="942080" y="8435355"/>
             <a:ext cx="13573125" cy="738635"/>
           </a:xfrm>
         </p:spPr>
@@ -12507,7 +12499,7 @@
         </p:nvSpPr>
         <p:spPr>
           <a:xfrm>
-            <a:off x="29420598" y="11874383"/>
+            <a:off x="29438909" y="17865527"/>
             <a:ext cx="13576029" cy="738635"/>
           </a:xfrm>
         </p:spPr>
@@ -12534,7 +12526,7 @@
         </p:nvSpPr>
         <p:spPr>
           <a:xfrm>
-            <a:off x="29361021" y="12543469"/>
+            <a:off x="29407393" y="18512866"/>
             <a:ext cx="13576029" cy="2385190"/>
           </a:xfrm>
         </p:spPr>
@@ -12561,7 +12553,7 @@
         </p:nvSpPr>
         <p:spPr>
           <a:xfrm>
-            <a:off x="29433877" y="15325280"/>
+            <a:off x="29366053" y="20957719"/>
             <a:ext cx="13576029" cy="738635"/>
           </a:xfrm>
         </p:spPr>
@@ -12588,7 +12580,7 @@
         </p:nvSpPr>
         <p:spPr>
           <a:xfrm>
-            <a:off x="29433877" y="16169645"/>
+            <a:off x="29433877" y="21679765"/>
             <a:ext cx="13581061" cy="8079056"/>
           </a:xfrm>
         </p:spPr>
@@ -12772,7 +12764,6 @@
               <a:rPr lang="en-US" dirty="0"/>
               <a:t>., 25 Nov. 2014. Web. 6 Dec. 2016. </a:t>
             </a:r>
-            <a:endParaRPr lang="en-US" dirty="0"/>
           </a:p>
           <a:p>
             <a:pPr marL="457200" indent="-457200">
@@ -12939,7 +12930,7 @@
         </p:nvSpPr>
         <p:spPr>
           <a:xfrm>
-            <a:off x="29383995" y="24048607"/>
+            <a:off x="29383995" y="29318013"/>
             <a:ext cx="13576029" cy="738635"/>
           </a:xfrm>
         </p:spPr>
@@ -12966,7 +12957,7 @@
         </p:nvSpPr>
         <p:spPr>
           <a:xfrm>
-            <a:off x="29433877" y="24814088"/>
+            <a:off x="29361021" y="29874056"/>
             <a:ext cx="13581061" cy="1769636"/>
           </a:xfrm>
         </p:spPr>
@@ -13428,8 +13419,8 @@
         </p:blipFill>
         <p:spPr>
           <a:xfrm>
-            <a:off x="16497032" y="26514872"/>
-            <a:ext cx="10890624" cy="5134161"/>
+            <a:off x="30412323" y="6205152"/>
+            <a:ext cx="11600981" cy="5469044"/>
           </a:xfrm>
         </p:spPr>
       </p:pic>
@@ -13456,8 +13447,8 @@
         </p:blipFill>
         <p:spPr>
           <a:xfrm>
-            <a:off x="18481339" y="20447800"/>
-            <a:ext cx="6810656" cy="5645871"/>
+            <a:off x="15954439" y="21696354"/>
+            <a:ext cx="11898907" cy="9863909"/>
           </a:xfrm>
         </p:spPr>
       </p:pic>
@@ -13484,8 +13475,8 @@
         </p:blipFill>
         <p:spPr>
           <a:xfrm>
-            <a:off x="22169110" y="14999427"/>
-            <a:ext cx="5834826" cy="5027172"/>
+            <a:off x="21976748" y="15543711"/>
+            <a:ext cx="6423720" cy="5534551"/>
           </a:xfrm>
         </p:spPr>
       </p:pic>
@@ -13512,8 +13503,8 @@
         </p:blipFill>
         <p:spPr>
           <a:xfrm>
-            <a:off x="15882238" y="15006792"/>
-            <a:ext cx="5768564" cy="5026715"/>
+            <a:off x="15476392" y="15579451"/>
+            <a:ext cx="6310332" cy="5498811"/>
           </a:xfrm>
         </p:spPr>
       </p:pic>
@@ -13540,8 +13531,8 @@
         </p:blipFill>
         <p:spPr>
           <a:xfrm>
-            <a:off x="3593456" y="26199796"/>
-            <a:ext cx="8270371" cy="5449237"/>
+            <a:off x="3208446" y="25573348"/>
+            <a:ext cx="9080740" cy="5983178"/>
           </a:xfrm>
         </p:spPr>
       </p:pic>
@@ -13877,7 +13868,7 @@
         </p:nvSpPr>
         <p:spPr>
           <a:xfrm>
-            <a:off x="923928" y="12030286"/>
+            <a:off x="943667" y="11674196"/>
             <a:ext cx="13591277" cy="646331"/>
           </a:xfrm>
           <a:prstGeom prst="rect">
@@ -13913,7 +13904,7 @@
         </p:nvSpPr>
         <p:spPr>
           <a:xfrm>
-            <a:off x="1362910" y="12908919"/>
+            <a:off x="1362910" y="12525651"/>
             <a:ext cx="13132554" cy="6247864"/>
           </a:xfrm>
           <a:prstGeom prst="rect">
@@ -14091,7 +14082,7 @@
         </p:nvSpPr>
         <p:spPr>
           <a:xfrm>
-            <a:off x="922338" y="19731186"/>
+            <a:off x="922338" y="19314259"/>
             <a:ext cx="13591277" cy="646331"/>
           </a:xfrm>
           <a:prstGeom prst="rect">
@@ -14127,7 +14118,7 @@
         </p:nvSpPr>
         <p:spPr>
           <a:xfrm>
-            <a:off x="1338753" y="20641490"/>
+            <a:off x="1338753" y="20123256"/>
             <a:ext cx="13180867" cy="5093702"/>
           </a:xfrm>
           <a:prstGeom prst="rect">
@@ -14151,7 +14142,7 @@
                 </a:solidFill>
                 <a:latin typeface="Trebuchet MS" pitchFamily="34" charset="0"/>
               </a:rPr>
-              <a:t>1. Can the K-Means algorithm classify genres?</a:t>
+              <a:t>1. Can K-Means clustering compute genres?</a:t>
             </a:r>
           </a:p>
           <a:p>
@@ -14176,7 +14167,7 @@
                 </a:solidFill>
                 <a:latin typeface="Trebuchet MS" pitchFamily="34" charset="0"/>
               </a:rPr>
-              <a:t>Yes, it can. In fact it does so accurately. What was first done was to calculate the Euclidian distance between two n-dimensions. Doing this would differentiate categories. By calculating the k shortest distance and storing it in a dictionary, I obtained all the indices needed to categorize the data. In order to classify data, the k closest song was chosen with it’s fold features and its index. The genre was then decided on. If there was a tie between genres, the furthest point was deleted and recursion ensued. </a:t>
+              <a:t>Yes, it can. In fact it does so accurately. What was first done was to calculate the Euclidian distance between two n-dimensions. This differentiates categories. By calculating the k shortest distance and storing it in a dictionary, I obtained indices needed to categorize the data. In order to classify songs, the k closest song was chosen with it’s fold features and its index. The genre was then decided on. If there was a tie between genres, the furthest point was deleted and recursion ensued. </a:t>
             </a:r>
           </a:p>
           <a:p>
@@ -14245,8 +14236,8 @@
         </p:nvSpPr>
         <p:spPr>
           <a:xfrm>
-            <a:off x="29415566" y="6087214"/>
-            <a:ext cx="13571535" cy="6232397"/>
+            <a:off x="29388489" y="11674196"/>
+            <a:ext cx="13571535" cy="6617117"/>
           </a:xfrm>
         </p:spPr>
         <p:txBody>
@@ -14267,7 +14258,7 @@
           <a:p>
             <a:r>
               <a:rPr lang="en-US" dirty="0"/>
-              <a:t>	The algorithm that was the most efficient was the K-Means algorithm. Not only did it run through the computations fast, but the more data I fed into it the quicker it was. While the MFCC and FFT were more powerful they were by no means more efficient. It took a few hours to train the model and classifying one song had to be compared to everything in the model.</a:t>
+              <a:t>	The algorithm that was the most efficient was the K-Means algorithm. Not only did it run through the computations fast, but the more data I fed into it the quicker it was in classifying test songs. While the MFCC and FFT were more powerful they were by no means more efficient. It took a few hours to train the model and classifying one song had to be compared to everything in the model.</a:t>
             </a:r>
           </a:p>
           <a:p>
@@ -14279,7 +14270,7 @@
           <a:p>
             <a:r>
               <a:rPr lang="en-US" dirty="0"/>
-              <a:t>	Results were varied according to classification difficulties. As mentioned before, the k-means had trouble with categorizing metal rock and punk rock. The MFCC had trouble with jazz and country. Because the genres have overlapping in frequencies, and amplitudes, it might be that a genre is not perfectly classifiable when thresholds consistently overlap.</a:t>
+              <a:t>	Results were varied according to classification difficulties. As mentioned before, the k-means had trouble with categorizing metal rock and punk rock. The MFCC had trouble with jazz and country. Because the genres have overlapping frequencies, and amplitudes, it might be that a genre is not perfectly classifiable when thresholds overlap. The spectrogram and the ROC curve graphs prove that threshold overlapping makes classifications challenging.</a:t>
             </a:r>
           </a:p>
           <a:p>
@@ -14287,25 +14278,6 @@
               <a:rPr lang="en-US" dirty="0"/>
               <a:t>	</a:t>
             </a:r>
-          </a:p>
-        </p:txBody>
-      </p:sp>
-      <p:sp>
-        <p:nvSpPr>
-          <p:cNvPr id="15" name="Text Placeholder 14"/>
-          <p:cNvSpPr>
-            <a:spLocks noGrp="1"/>
-          </p:cNvSpPr>
-          <p:nvPr>
-            <p:ph type="body" sz="quarter" idx="26"/>
-          </p:nvPr>
-        </p:nvSpPr>
-        <p:spPr/>
-        <p:txBody>
-          <a:bodyPr/>
-          <a:lstStyle/>
-          <a:p>
-            <a:endParaRPr lang="en-US"/>
           </a:p>
         </p:txBody>
       </p:sp>
